--- a/bdt-final-project-slide.pptx
+++ b/bdt-final-project-slide.pptx
@@ -12,8 +12,10 @@
     <p:sldId id="260" r:id="rId6"/>
     <p:sldId id="264" r:id="rId7"/>
     <p:sldId id="261" r:id="rId8"/>
-    <p:sldId id="263" r:id="rId9"/>
-    <p:sldId id="265" r:id="rId10"/>
+    <p:sldId id="266" r:id="rId9"/>
+    <p:sldId id="267" r:id="rId10"/>
+    <p:sldId id="263" r:id="rId11"/>
+    <p:sldId id="265" r:id="rId12"/>
   </p:sldIdLst>
   <p:sldSz cx="12192000" cy="6858000"/>
   <p:notesSz cx="6858000" cy="9144000"/>
@@ -3424,6 +3426,167 @@
 </p:sld>
 </file>
 
+<file path=ppt/slides/slide10.xml><?xml version="1.0" encoding="utf-8"?>
+<p:sld xmlns:a="http://schemas.openxmlformats.org/drawingml/2006/main" xmlns:r="http://schemas.openxmlformats.org/officeDocument/2006/relationships" xmlns:p="http://schemas.openxmlformats.org/presentationml/2006/main">
+  <p:cSld>
+    <p:spTree>
+      <p:nvGrpSpPr>
+        <p:cNvPr id="1" name=""/>
+        <p:cNvGrpSpPr/>
+        <p:nvPr/>
+      </p:nvGrpSpPr>
+      <p:grpSpPr>
+        <a:xfrm>
+          <a:off x="0" y="0"/>
+          <a:ext cx="0" cy="0"/>
+          <a:chOff x="0" y="0"/>
+          <a:chExt cx="0" cy="0"/>
+        </a:xfrm>
+      </p:grpSpPr>
+      <p:sp>
+        <p:nvSpPr>
+          <p:cNvPr id="2" name="Title 1">
+            <a:extLst>
+              <a:ext uri="{FF2B5EF4-FFF2-40B4-BE49-F238E27FC236}">
+                <a16:creationId xmlns:a16="http://schemas.microsoft.com/office/drawing/2014/main" id="{34F27700-09E5-FE18-2D61-29FFCE6D9F40}"/>
+              </a:ext>
+            </a:extLst>
+          </p:cNvPr>
+          <p:cNvSpPr>
+            <a:spLocks noGrp="1"/>
+          </p:cNvSpPr>
+          <p:nvPr>
+            <p:ph type="title"/>
+          </p:nvPr>
+        </p:nvSpPr>
+        <p:spPr/>
+        <p:txBody>
+          <a:bodyPr/>
+          <a:lstStyle/>
+          <a:p>
+            <a:r>
+              <a:rPr lang="en-US" b="1" dirty="0"/>
+              <a:t>Output Screenshot</a:t>
+            </a:r>
+            <a:br>
+              <a:rPr lang="en-US" dirty="0"/>
+            </a:br>
+            <a:endParaRPr lang="en-US" dirty="0"/>
+          </a:p>
+        </p:txBody>
+      </p:sp>
+      <p:pic>
+        <p:nvPicPr>
+          <p:cNvPr id="9" name="Content Placeholder 8" descr="Graphical user interface, text, application, email&#10;&#10;Description automatically generated">
+            <a:extLst>
+              <a:ext uri="{FF2B5EF4-FFF2-40B4-BE49-F238E27FC236}">
+                <a16:creationId xmlns:a16="http://schemas.microsoft.com/office/drawing/2014/main" id="{18084955-0802-E151-3E8C-9357EECB5FB5}"/>
+              </a:ext>
+            </a:extLst>
+          </p:cNvPr>
+          <p:cNvPicPr>
+            <a:picLocks noGrp="1" noChangeAspect="1"/>
+          </p:cNvPicPr>
+          <p:nvPr>
+            <p:ph idx="1"/>
+          </p:nvPr>
+        </p:nvPicPr>
+        <p:blipFill>
+          <a:blip r:embed="rId2">
+            <a:extLst>
+              <a:ext uri="{28A0092B-C50C-407E-A947-70E740481C1C}">
+                <a14:useLocalDpi xmlns:a14="http://schemas.microsoft.com/office/drawing/2010/main" val="0"/>
+              </a:ext>
+            </a:extLst>
+          </a:blip>
+          <a:stretch>
+            <a:fillRect/>
+          </a:stretch>
+        </p:blipFill>
+        <p:spPr>
+          <a:xfrm>
+            <a:off x="985708" y="1825625"/>
+            <a:ext cx="10220584" cy="4351338"/>
+          </a:xfrm>
+        </p:spPr>
+      </p:pic>
+    </p:spTree>
+    <p:extLst>
+      <p:ext uri="{BB962C8B-B14F-4D97-AF65-F5344CB8AC3E}">
+        <p14:creationId xmlns:p14="http://schemas.microsoft.com/office/powerpoint/2010/main" val="3843607898"/>
+      </p:ext>
+    </p:extLst>
+  </p:cSld>
+  <p:clrMapOvr>
+    <a:masterClrMapping/>
+  </p:clrMapOvr>
+</p:sld>
+</file>
+
+<file path=ppt/slides/slide11.xml><?xml version="1.0" encoding="utf-8"?>
+<p:sld xmlns:a="http://schemas.openxmlformats.org/drawingml/2006/main" xmlns:r="http://schemas.openxmlformats.org/officeDocument/2006/relationships" xmlns:p="http://schemas.openxmlformats.org/presentationml/2006/main">
+  <p:cSld>
+    <p:spTree>
+      <p:nvGrpSpPr>
+        <p:cNvPr id="1" name=""/>
+        <p:cNvGrpSpPr/>
+        <p:nvPr/>
+      </p:nvGrpSpPr>
+      <p:grpSpPr>
+        <a:xfrm>
+          <a:off x="0" y="0"/>
+          <a:ext cx="0" cy="0"/>
+          <a:chOff x="0" y="0"/>
+          <a:chExt cx="0" cy="0"/>
+        </a:xfrm>
+      </p:grpSpPr>
+      <p:sp>
+        <p:nvSpPr>
+          <p:cNvPr id="2" name="Title 1">
+            <a:extLst>
+              <a:ext uri="{FF2B5EF4-FFF2-40B4-BE49-F238E27FC236}">
+                <a16:creationId xmlns:a16="http://schemas.microsoft.com/office/drawing/2014/main" id="{313B3008-848B-C2CF-3DCB-D8EED7384A9E}"/>
+              </a:ext>
+            </a:extLst>
+          </p:cNvPr>
+          <p:cNvSpPr>
+            <a:spLocks noGrp="1"/>
+          </p:cNvSpPr>
+          <p:nvPr>
+            <p:ph type="title"/>
+          </p:nvPr>
+        </p:nvSpPr>
+        <p:spPr>
+          <a:xfrm>
+            <a:off x="838200" y="2581853"/>
+            <a:ext cx="10515600" cy="1325563"/>
+          </a:xfrm>
+        </p:spPr>
+        <p:txBody>
+          <a:bodyPr/>
+          <a:lstStyle/>
+          <a:p>
+            <a:pPr algn="ctr"/>
+            <a:r>
+              <a:rPr lang="en-US" dirty="0"/>
+              <a:t>THANK YOU</a:t>
+            </a:r>
+          </a:p>
+        </p:txBody>
+      </p:sp>
+    </p:spTree>
+    <p:extLst>
+      <p:ext uri="{BB962C8B-B14F-4D97-AF65-F5344CB8AC3E}">
+        <p14:creationId xmlns:p14="http://schemas.microsoft.com/office/powerpoint/2010/main" val="888783542"/>
+      </p:ext>
+    </p:extLst>
+  </p:cSld>
+  <p:clrMapOvr>
+    <a:masterClrMapping/>
+  </p:clrMapOvr>
+</p:sld>
+</file>
+
 <file path=ppt/slides/slide2.xml><?xml version="1.0" encoding="utf-8"?>
 <p:sld xmlns:a="http://schemas.openxmlformats.org/drawingml/2006/main" xmlns:r="http://schemas.openxmlformats.org/officeDocument/2006/relationships" xmlns:p="http://schemas.openxmlformats.org/presentationml/2006/main">
   <p:cSld>
@@ -3498,7 +3661,7 @@
           <a:p>
             <a:r>
               <a:rPr lang="en-US" dirty="0"/>
-              <a:t>Architecture (Kafka Stream as Ingestion)</a:t>
+              <a:t>Architecture</a:t>
             </a:r>
           </a:p>
           <a:p>
@@ -3516,13 +3679,7 @@
           <a:p>
             <a:r>
               <a:rPr lang="en-US" dirty="0"/>
-              <a:t>Strong data permanently on HDFS</a:t>
-            </a:r>
-          </a:p>
-          <a:p>
-            <a:r>
-              <a:rPr lang="en-US" dirty="0"/>
-              <a:t>Using Hive to query stored data</a:t>
+              <a:t>Code explanation</a:t>
             </a:r>
           </a:p>
         </p:txBody>
@@ -3608,6 +3765,13 @@
           <a:p>
             <a:r>
               <a:rPr lang="en-US" b="1" dirty="0"/>
+              <a:t>Data source</a:t>
+            </a:r>
+          </a:p>
+          <a:p>
+            <a:pPr lvl="1"/>
+            <a:r>
+              <a:rPr lang="en-US" b="1" dirty="0"/>
               <a:t>Twitter</a:t>
             </a:r>
             <a:r>
@@ -3618,54 +3782,11 @@
           <a:p>
             <a:r>
               <a:rPr lang="en-US" b="1" dirty="0"/>
-              <a:t>Why</a:t>
-            </a:r>
-            <a:r>
-              <a:rPr lang="en-US" dirty="0"/>
-              <a:t>: almost all the phenomenon happening in our world twitted on twitter including war, love and peace.</a:t>
-            </a:r>
-          </a:p>
-          <a:p>
-            <a:r>
-              <a:rPr lang="en-US" b="1" dirty="0"/>
-              <a:t>Goal</a:t>
-            </a:r>
-            <a:r>
-              <a:rPr lang="en-US" dirty="0"/>
-              <a:t>: create a small project that consume </a:t>
-            </a:r>
-            <a:r>
-              <a:rPr lang="en-US" b="1" dirty="0"/>
-              <a:t>Twitter API </a:t>
-            </a:r>
-            <a:r>
-              <a:rPr lang="en-US" dirty="0"/>
-              <a:t>in a real-time fashion and process using </a:t>
-            </a:r>
-            <a:r>
-              <a:rPr lang="en-US" b="1" dirty="0"/>
-              <a:t>Spark Stream </a:t>
-            </a:r>
-            <a:r>
-              <a:rPr lang="en-US" dirty="0"/>
-              <a:t>and store permanently on </a:t>
-            </a:r>
-            <a:r>
-              <a:rPr lang="en-US" b="1" dirty="0" err="1"/>
-              <a:t>hdfs</a:t>
-            </a:r>
-            <a:r>
-              <a:rPr lang="en-US" dirty="0"/>
-              <a:t> and write some </a:t>
-            </a:r>
-            <a:r>
-              <a:rPr lang="en-US" b="1" dirty="0"/>
-              <a:t>queries</a:t>
-            </a:r>
-            <a:r>
-              <a:rPr lang="en-US" dirty="0"/>
-              <a:t> on stored result.</a:t>
-            </a:r>
+              <a:t>Analysis: #nomore</a:t>
+            </a:r>
+          </a:p>
+          <a:p>
+            <a:endParaRPr lang="en-US" dirty="0"/>
           </a:p>
         </p:txBody>
       </p:sp>
@@ -3750,25 +3871,39 @@
           <a:p>
             <a:r>
               <a:rPr lang="en-US" dirty="0"/>
+              <a:t>Cloudera</a:t>
+            </a:r>
+          </a:p>
+          <a:p>
+            <a:pPr lvl="1"/>
+            <a:r>
+              <a:rPr lang="en-US" dirty="0"/>
+              <a:t>Spark Streaming</a:t>
+            </a:r>
+          </a:p>
+          <a:p>
+            <a:pPr lvl="1"/>
+            <a:r>
+              <a:rPr lang="en-US" dirty="0"/>
+              <a:t>HIVE (HQL)</a:t>
+            </a:r>
+          </a:p>
+          <a:p>
+            <a:r>
+              <a:rPr lang="en-US" dirty="0"/>
               <a:t>Twitter API</a:t>
+            </a:r>
+          </a:p>
+          <a:p>
+            <a:r>
+              <a:rPr lang="en-US" dirty="0"/>
+              <a:t>Zookeeper</a:t>
             </a:r>
           </a:p>
           <a:p>
             <a:r>
               <a:rPr lang="en-US" dirty="0"/>
               <a:t>Kafka</a:t>
-            </a:r>
-          </a:p>
-          <a:p>
-            <a:r>
-              <a:rPr lang="en-US" dirty="0"/>
-              <a:t>Spark Streaming</a:t>
-            </a:r>
-          </a:p>
-          <a:p>
-            <a:r>
-              <a:rPr lang="en-US" dirty="0"/>
-              <a:t>HIVE (HQL)</a:t>
             </a:r>
           </a:p>
           <a:p>
@@ -3985,7 +4120,7 @@
           <a:p>
             <a:r>
               <a:rPr lang="en-US" dirty="0"/>
-              <a:t>Spark Streaming with Kafka</a:t>
+              <a:t>Architecture</a:t>
             </a:r>
           </a:p>
         </p:txBody>
@@ -4162,7 +4297,7 @@
           <p:cNvPr id="2" name="Title 1">
             <a:extLst>
               <a:ext uri="{FF2B5EF4-FFF2-40B4-BE49-F238E27FC236}">
-                <a16:creationId xmlns:a16="http://schemas.microsoft.com/office/drawing/2014/main" id="{34F27700-09E5-FE18-2D61-29FFCE6D9F40}"/>
+                <a16:creationId xmlns:a16="http://schemas.microsoft.com/office/drawing/2014/main" id="{660F2177-E1E4-9F1A-9350-A9FC3F687FB1}"/>
               </a:ext>
             </a:extLst>
           </p:cNvPr>
@@ -4179,55 +4314,56 @@
           <a:lstStyle/>
           <a:p>
             <a:r>
-              <a:rPr lang="en-US" b="1" dirty="0"/>
+              <a:rPr lang="en-US" dirty="0"/>
+              <a:t>Code explanation</a:t>
+            </a:r>
+          </a:p>
+        </p:txBody>
+      </p:sp>
+      <p:sp>
+        <p:nvSpPr>
+          <p:cNvPr id="3" name="Content Placeholder 2">
+            <a:extLst>
+              <a:ext uri="{FF2B5EF4-FFF2-40B4-BE49-F238E27FC236}">
+                <a16:creationId xmlns:a16="http://schemas.microsoft.com/office/drawing/2014/main" id="{F0DFE8C9-8984-EB7B-58A0-550952E759E3}"/>
+              </a:ext>
+            </a:extLst>
+          </p:cNvPr>
+          <p:cNvSpPr>
+            <a:spLocks noGrp="1"/>
+          </p:cNvSpPr>
+          <p:nvPr>
+            <p:ph idx="1"/>
+          </p:nvPr>
+        </p:nvSpPr>
+        <p:spPr/>
+        <p:txBody>
+          <a:bodyPr/>
+          <a:lstStyle/>
+          <a:p>
+            <a:r>
+              <a:rPr lang="en-US" dirty="0"/>
+              <a:t>Kafka Producer</a:t>
+            </a:r>
+          </a:p>
+          <a:p>
+            <a:r>
+              <a:rPr lang="en-US" dirty="0"/>
+              <a:t>Spark Stream</a:t>
+            </a:r>
+          </a:p>
+          <a:p>
+            <a:r>
+              <a:rPr lang="en-US" dirty="0"/>
               <a:t>Using Hive to query stored data</a:t>
             </a:r>
-            <a:br>
-              <a:rPr lang="en-US" dirty="0"/>
-            </a:br>
-            <a:endParaRPr lang="en-US" dirty="0"/>
-          </a:p>
-        </p:txBody>
-      </p:sp>
-      <p:pic>
-        <p:nvPicPr>
-          <p:cNvPr id="9" name="Content Placeholder 8" descr="Graphical user interface, text, application, email&#10;&#10;Description automatically generated">
-            <a:extLst>
-              <a:ext uri="{FF2B5EF4-FFF2-40B4-BE49-F238E27FC236}">
-                <a16:creationId xmlns:a16="http://schemas.microsoft.com/office/drawing/2014/main" id="{18084955-0802-E151-3E8C-9357EECB5FB5}"/>
-              </a:ext>
-            </a:extLst>
-          </p:cNvPr>
-          <p:cNvPicPr>
-            <a:picLocks noGrp="1" noChangeAspect="1"/>
-          </p:cNvPicPr>
-          <p:nvPr>
-            <p:ph idx="1"/>
-          </p:nvPr>
-        </p:nvPicPr>
-        <p:blipFill>
-          <a:blip r:embed="rId2">
-            <a:extLst>
-              <a:ext uri="{28A0092B-C50C-407E-A947-70E740481C1C}">
-                <a14:useLocalDpi xmlns:a14="http://schemas.microsoft.com/office/drawing/2010/main" val="0"/>
-              </a:ext>
-            </a:extLst>
-          </a:blip>
-          <a:stretch>
-            <a:fillRect/>
-          </a:stretch>
-        </p:blipFill>
-        <p:spPr>
-          <a:xfrm>
-            <a:off x="985708" y="1825625"/>
-            <a:ext cx="10220584" cy="4351338"/>
-          </a:xfrm>
-        </p:spPr>
-      </p:pic>
+          </a:p>
+        </p:txBody>
+      </p:sp>
     </p:spTree>
     <p:extLst>
       <p:ext uri="{BB962C8B-B14F-4D97-AF65-F5344CB8AC3E}">
-        <p14:creationId xmlns:p14="http://schemas.microsoft.com/office/powerpoint/2010/main" val="3843607898"/>
+        <p14:creationId xmlns:p14="http://schemas.microsoft.com/office/powerpoint/2010/main" val="3222604214"/>
       </p:ext>
     </p:extLst>
   </p:cSld>
@@ -4259,7 +4395,7 @@
           <p:cNvPr id="2" name="Title 1">
             <a:extLst>
               <a:ext uri="{FF2B5EF4-FFF2-40B4-BE49-F238E27FC236}">
-                <a16:creationId xmlns:a16="http://schemas.microsoft.com/office/drawing/2014/main" id="{313B3008-848B-C2CF-3DCB-D8EED7384A9E}"/>
+                <a16:creationId xmlns:a16="http://schemas.microsoft.com/office/drawing/2014/main" id="{994D4F8D-5641-E287-5503-D5AA551B4A86}"/>
               </a:ext>
             </a:extLst>
           </p:cNvPr>
@@ -4270,28 +4406,57 @@
             <p:ph type="title"/>
           </p:nvPr>
         </p:nvSpPr>
+        <p:spPr/>
+        <p:txBody>
+          <a:bodyPr/>
+          <a:lstStyle/>
+          <a:p>
+            <a:r>
+              <a:rPr lang="en-US" dirty="0"/>
+              <a:t>Input Screenshot</a:t>
+            </a:r>
+          </a:p>
+        </p:txBody>
+      </p:sp>
+      <p:pic>
+        <p:nvPicPr>
+          <p:cNvPr id="5" name="Content Placeholder 4" descr="Text, letter&#10;&#10;Description automatically generated">
+            <a:extLst>
+              <a:ext uri="{FF2B5EF4-FFF2-40B4-BE49-F238E27FC236}">
+                <a16:creationId xmlns:a16="http://schemas.microsoft.com/office/drawing/2014/main" id="{2CBF55B2-5857-322E-3D3B-8E42FA35FC91}"/>
+              </a:ext>
+            </a:extLst>
+          </p:cNvPr>
+          <p:cNvPicPr>
+            <a:picLocks noGrp="1" noChangeAspect="1"/>
+          </p:cNvPicPr>
+          <p:nvPr>
+            <p:ph idx="1"/>
+          </p:nvPr>
+        </p:nvPicPr>
+        <p:blipFill>
+          <a:blip r:embed="rId2">
+            <a:extLst>
+              <a:ext uri="{28A0092B-C50C-407E-A947-70E740481C1C}">
+                <a14:useLocalDpi xmlns:a14="http://schemas.microsoft.com/office/drawing/2010/main" val="0"/>
+              </a:ext>
+            </a:extLst>
+          </a:blip>
+          <a:stretch>
+            <a:fillRect/>
+          </a:stretch>
+        </p:blipFill>
         <p:spPr>
           <a:xfrm>
-            <a:off x="838200" y="2581853"/>
-            <a:ext cx="10515600" cy="1325563"/>
+            <a:off x="838200" y="2618119"/>
+            <a:ext cx="10515600" cy="2766349"/>
           </a:xfrm>
         </p:spPr>
-        <p:txBody>
-          <a:bodyPr/>
-          <a:lstStyle/>
-          <a:p>
-            <a:pPr algn="ctr"/>
-            <a:r>
-              <a:rPr lang="en-US" dirty="0"/>
-              <a:t>THANK YOU</a:t>
-            </a:r>
-          </a:p>
-        </p:txBody>
-      </p:sp>
+      </p:pic>
     </p:spTree>
     <p:extLst>
       <p:ext uri="{BB962C8B-B14F-4D97-AF65-F5344CB8AC3E}">
-        <p14:creationId xmlns:p14="http://schemas.microsoft.com/office/powerpoint/2010/main" val="888783542"/>
+        <p14:creationId xmlns:p14="http://schemas.microsoft.com/office/powerpoint/2010/main" val="2046418699"/>
       </p:ext>
     </p:extLst>
   </p:cSld>
